--- a/JournalPaper/DPDFlowChart.pptx
+++ b/JournalPaper/DPDFlowChart.pptx
@@ -118,6 +118,11 @@
       </a:defRPr>
     </a:lvl9pPr>
   </p:defaultTextStyle>
+  <p:extLst>
+    <p:ext uri="{EFAFB233-063F-42B5-8137-9DF3F51BA10A}">
+      <p15:sldGuideLst xmlns:p15="http://schemas.microsoft.com/office/powerpoint/2012/main"/>
+    </p:ext>
+  </p:extLst>
 </p:presentation>
 </file>
 
@@ -3874,8 +3879,8 @@
         </p:nvSpPr>
         <p:spPr>
           <a:xfrm>
-            <a:off x="1272692" y="6356307"/>
-            <a:ext cx="732631" cy="856869"/>
+            <a:off x="1247292" y="6356307"/>
+            <a:ext cx="784708" cy="856869"/>
           </a:xfrm>
           <a:prstGeom prst="flowChartProcess">
             <a:avLst/>
@@ -3913,14 +3918,21 @@
                 <a:latin typeface="Times New Roman" panose="02020603050405020304" pitchFamily="18" charset="0"/>
                 <a:cs typeface="Times New Roman" panose="02020603050405020304" pitchFamily="18" charset="0"/>
               </a:rPr>
-              <a:t>Othogonalize</a:t>
+              <a:t>Orthogonalize</a:t>
             </a:r>
             <a:r>
               <a:rPr lang="en-US" sz="800" dirty="0" smtClean="0">
                 <a:latin typeface="Times New Roman" panose="02020603050405020304" pitchFamily="18" charset="0"/>
                 <a:cs typeface="Times New Roman" panose="02020603050405020304" pitchFamily="18" charset="0"/>
               </a:rPr>
-              <a:t> the higher order to the previous.</a:t>
+              <a:t> </a:t>
+            </a:r>
+            <a:r>
+              <a:rPr lang="en-US" sz="800" dirty="0" smtClean="0">
+                <a:latin typeface="Times New Roman" panose="02020603050405020304" pitchFamily="18" charset="0"/>
+                <a:cs typeface="Times New Roman" panose="02020603050405020304" pitchFamily="18" charset="0"/>
+              </a:rPr>
+              <a:t>the higher order to the previous.</a:t>
             </a:r>
             <a:endParaRPr lang="en-US" sz="800" dirty="0">
               <a:latin typeface="Times New Roman" panose="02020603050405020304" pitchFamily="18" charset="0"/>
@@ -3977,7 +3989,7 @@
         <p:spPr>
           <a:xfrm>
             <a:off x="1164409" y="6784741"/>
-            <a:ext cx="108283" cy="1"/>
+            <a:ext cx="82883" cy="1"/>
           </a:xfrm>
           <a:prstGeom prst="straightConnector1">
             <a:avLst/>
@@ -4012,8 +4024,8 @@
         </p:nvCxnSpPr>
         <p:spPr>
           <a:xfrm flipV="1">
-            <a:off x="1639008" y="5844344"/>
-            <a:ext cx="1984" cy="511963"/>
+            <a:off x="1639646" y="5844344"/>
+            <a:ext cx="1346" cy="511963"/>
           </a:xfrm>
           <a:prstGeom prst="straightConnector1">
             <a:avLst/>

--- a/JournalPaper/DPDFlowChart.pptx
+++ b/JournalPaper/DPDFlowChart.pptx
@@ -11,16 +11,16 @@
   <p:notesSz cx="7315200" cy="9601200"/>
   <p:embeddedFontLst>
     <p:embeddedFont>
-      <p:font typeface="Calibri" panose="020F0502020204030204" pitchFamily="34" charset="0"/>
+      <p:font typeface="Calibri Light" panose="020F0302020204030204" pitchFamily="34" charset="0"/>
       <p:regular r:id="rId3"/>
-      <p:bold r:id="rId4"/>
-      <p:italic r:id="rId5"/>
-      <p:boldItalic r:id="rId6"/>
+      <p:italic r:id="rId4"/>
     </p:embeddedFont>
     <p:embeddedFont>
-      <p:font typeface="Calibri Light" panose="020F0302020204030204" pitchFamily="34" charset="0"/>
-      <p:regular r:id="rId7"/>
-      <p:italic r:id="rId8"/>
+      <p:font typeface="Calibri" panose="020F0502020204030204" pitchFamily="34" charset="0"/>
+      <p:regular r:id="rId5"/>
+      <p:bold r:id="rId6"/>
+      <p:italic r:id="rId7"/>
+      <p:boldItalic r:id="rId8"/>
     </p:embeddedFont>
   </p:embeddedFontLst>
   <p:defaultTextStyle>
@@ -257,7 +257,7 @@
           <a:p>
             <a:fld id="{A6720A56-DAD1-4FF3-8E07-60164C5C01E4}" type="datetimeFigureOut">
               <a:rPr lang="en-US" smtClean="0"/>
-              <a:t>8/28/2017</a:t>
+              <a:t>9/5/2017</a:t>
             </a:fld>
             <a:endParaRPr lang="en-US"/>
           </a:p>
@@ -427,7 +427,7 @@
           <a:p>
             <a:fld id="{A6720A56-DAD1-4FF3-8E07-60164C5C01E4}" type="datetimeFigureOut">
               <a:rPr lang="en-US" smtClean="0"/>
-              <a:t>8/28/2017</a:t>
+              <a:t>9/5/2017</a:t>
             </a:fld>
             <a:endParaRPr lang="en-US"/>
           </a:p>
@@ -607,7 +607,7 @@
           <a:p>
             <a:fld id="{A6720A56-DAD1-4FF3-8E07-60164C5C01E4}" type="datetimeFigureOut">
               <a:rPr lang="en-US" smtClean="0"/>
-              <a:t>8/28/2017</a:t>
+              <a:t>9/5/2017</a:t>
             </a:fld>
             <a:endParaRPr lang="en-US"/>
           </a:p>
@@ -777,7 +777,7 @@
           <a:p>
             <a:fld id="{A6720A56-DAD1-4FF3-8E07-60164C5C01E4}" type="datetimeFigureOut">
               <a:rPr lang="en-US" smtClean="0"/>
-              <a:t>8/28/2017</a:t>
+              <a:t>9/5/2017</a:t>
             </a:fld>
             <a:endParaRPr lang="en-US"/>
           </a:p>
@@ -1021,7 +1021,7 @@
           <a:p>
             <a:fld id="{A6720A56-DAD1-4FF3-8E07-60164C5C01E4}" type="datetimeFigureOut">
               <a:rPr lang="en-US" smtClean="0"/>
-              <a:t>8/28/2017</a:t>
+              <a:t>9/5/2017</a:t>
             </a:fld>
             <a:endParaRPr lang="en-US"/>
           </a:p>
@@ -1253,7 +1253,7 @@
           <a:p>
             <a:fld id="{A6720A56-DAD1-4FF3-8E07-60164C5C01E4}" type="datetimeFigureOut">
               <a:rPr lang="en-US" smtClean="0"/>
-              <a:t>8/28/2017</a:t>
+              <a:t>9/5/2017</a:t>
             </a:fld>
             <a:endParaRPr lang="en-US"/>
           </a:p>
@@ -1620,7 +1620,7 @@
           <a:p>
             <a:fld id="{A6720A56-DAD1-4FF3-8E07-60164C5C01E4}" type="datetimeFigureOut">
               <a:rPr lang="en-US" smtClean="0"/>
-              <a:t>8/28/2017</a:t>
+              <a:t>9/5/2017</a:t>
             </a:fld>
             <a:endParaRPr lang="en-US"/>
           </a:p>
@@ -1738,7 +1738,7 @@
           <a:p>
             <a:fld id="{A6720A56-DAD1-4FF3-8E07-60164C5C01E4}" type="datetimeFigureOut">
               <a:rPr lang="en-US" smtClean="0"/>
-              <a:t>8/28/2017</a:t>
+              <a:t>9/5/2017</a:t>
             </a:fld>
             <a:endParaRPr lang="en-US"/>
           </a:p>
@@ -1833,7 +1833,7 @@
           <a:p>
             <a:fld id="{A6720A56-DAD1-4FF3-8E07-60164C5C01E4}" type="datetimeFigureOut">
               <a:rPr lang="en-US" smtClean="0"/>
-              <a:t>8/28/2017</a:t>
+              <a:t>9/5/2017</a:t>
             </a:fld>
             <a:endParaRPr lang="en-US"/>
           </a:p>
@@ -2110,7 +2110,7 @@
           <a:p>
             <a:fld id="{A6720A56-DAD1-4FF3-8E07-60164C5C01E4}" type="datetimeFigureOut">
               <a:rPr lang="en-US" smtClean="0"/>
-              <a:t>8/28/2017</a:t>
+              <a:t>9/5/2017</a:t>
             </a:fld>
             <a:endParaRPr lang="en-US"/>
           </a:p>
@@ -2367,7 +2367,7 @@
           <a:p>
             <a:fld id="{A6720A56-DAD1-4FF3-8E07-60164C5C01E4}" type="datetimeFigureOut">
               <a:rPr lang="en-US" smtClean="0"/>
-              <a:t>8/28/2017</a:t>
+              <a:t>9/5/2017</a:t>
             </a:fld>
             <a:endParaRPr lang="en-US"/>
           </a:p>
@@ -2580,7 +2580,7 @@
           <a:p>
             <a:fld id="{A6720A56-DAD1-4FF3-8E07-60164C5C01E4}" type="datetimeFigureOut">
               <a:rPr lang="en-US" smtClean="0"/>
-              <a:t>8/28/2017</a:t>
+              <a:t>9/5/2017</a:t>
             </a:fld>
             <a:endParaRPr lang="en-US"/>
           </a:p>
@@ -2985,159 +2985,6 @@
           <a:chExt cx="0" cy="0"/>
         </a:xfrm>
       </p:grpSpPr>
-      <p:sp>
-        <p:nvSpPr>
-          <p:cNvPr id="4" name="Flowchart: Terminator 3"/>
-          <p:cNvSpPr/>
-          <p:nvPr/>
-        </p:nvSpPr>
-        <p:spPr>
-          <a:xfrm>
-            <a:off x="1276661" y="323023"/>
-            <a:ext cx="728662" cy="185738"/>
-          </a:xfrm>
-          <a:prstGeom prst="flowChartTerminator">
-            <a:avLst/>
-          </a:prstGeom>
-          <a:ln w="6350"/>
-        </p:spPr>
-        <p:style>
-          <a:lnRef idx="2">
-            <a:schemeClr val="dk1"/>
-          </a:lnRef>
-          <a:fillRef idx="1">
-            <a:schemeClr val="lt1"/>
-          </a:fillRef>
-          <a:effectRef idx="0">
-            <a:schemeClr val="dk1"/>
-          </a:effectRef>
-          <a:fontRef idx="minor">
-            <a:schemeClr val="dk1"/>
-          </a:fontRef>
-        </p:style>
-        <p:txBody>
-          <a:bodyPr rtlCol="0" anchor="ctr"/>
-          <a:lstStyle/>
-          <a:p>
-            <a:pPr algn="ctr"/>
-            <a:r>
-              <a:rPr lang="en-US" sz="800" dirty="0" smtClean="0">
-                <a:latin typeface="Times New Roman" panose="02020603050405020304" pitchFamily="18" charset="0"/>
-                <a:cs typeface="Times New Roman" panose="02020603050405020304" pitchFamily="18" charset="0"/>
-              </a:rPr>
-              <a:t>Start</a:t>
-            </a:r>
-            <a:endParaRPr lang="en-US" sz="800" dirty="0">
-              <a:latin typeface="Times New Roman" panose="02020603050405020304" pitchFamily="18" charset="0"/>
-              <a:cs typeface="Times New Roman" panose="02020603050405020304" pitchFamily="18" charset="0"/>
-            </a:endParaRPr>
-          </a:p>
-        </p:txBody>
-      </p:sp>
-      <p:sp>
-        <p:nvSpPr>
-          <p:cNvPr id="5" name="Flowchart: Decision 4"/>
-          <p:cNvSpPr/>
-          <p:nvPr/>
-        </p:nvSpPr>
-        <p:spPr>
-          <a:xfrm>
-            <a:off x="1167421" y="1076744"/>
-            <a:ext cx="947142" cy="604837"/>
-          </a:xfrm>
-          <a:prstGeom prst="flowChartDecision">
-            <a:avLst/>
-          </a:prstGeom>
-          <a:ln w="6350"/>
-        </p:spPr>
-        <p:style>
-          <a:lnRef idx="2">
-            <a:schemeClr val="dk1"/>
-          </a:lnRef>
-          <a:fillRef idx="1">
-            <a:schemeClr val="lt1"/>
-          </a:fillRef>
-          <a:effectRef idx="0">
-            <a:schemeClr val="dk1"/>
-          </a:effectRef>
-          <a:fontRef idx="minor">
-            <a:schemeClr val="dk1"/>
-          </a:fontRef>
-        </p:style>
-        <p:txBody>
-          <a:bodyPr rtlCol="0" anchor="ctr"/>
-          <a:lstStyle/>
-          <a:p>
-            <a:pPr algn="ctr"/>
-            <a:r>
-              <a:rPr lang="en-US" sz="800" dirty="0" smtClean="0">
-                <a:ln w="6350">
-                  <a:noFill/>
-                </a:ln>
-                <a:latin typeface="Times New Roman" panose="02020603050405020304" pitchFamily="18" charset="0"/>
-                <a:cs typeface="Times New Roman" panose="02020603050405020304" pitchFamily="18" charset="0"/>
-              </a:rPr>
-              <a:t>New configuration?</a:t>
-            </a:r>
-            <a:endParaRPr lang="en-US" sz="800" dirty="0">
-              <a:ln w="6350">
-                <a:noFill/>
-              </a:ln>
-              <a:latin typeface="Times New Roman" panose="02020603050405020304" pitchFamily="18" charset="0"/>
-              <a:cs typeface="Times New Roman" panose="02020603050405020304" pitchFamily="18" charset="0"/>
-            </a:endParaRPr>
-          </a:p>
-        </p:txBody>
-      </p:sp>
-      <p:sp>
-        <p:nvSpPr>
-          <p:cNvPr id="6" name="Flowchart: Process 5"/>
-          <p:cNvSpPr/>
-          <p:nvPr/>
-        </p:nvSpPr>
-        <p:spPr>
-          <a:xfrm>
-            <a:off x="247167" y="1161810"/>
-            <a:ext cx="736600" cy="438150"/>
-          </a:xfrm>
-          <a:prstGeom prst="flowChartProcess">
-            <a:avLst/>
-          </a:prstGeom>
-          <a:ln w="6350"/>
-        </p:spPr>
-        <p:style>
-          <a:lnRef idx="2">
-            <a:schemeClr val="dk1"/>
-          </a:lnRef>
-          <a:fillRef idx="1">
-            <a:schemeClr val="lt1"/>
-          </a:fillRef>
-          <a:effectRef idx="0">
-            <a:schemeClr val="dk1"/>
-          </a:effectRef>
-          <a:fontRef idx="minor">
-            <a:schemeClr val="dk1"/>
-          </a:fontRef>
-        </p:style>
-        <p:txBody>
-          <a:bodyPr rtlCol="0" anchor="ctr"/>
-          <a:lstStyle/>
-          <a:p>
-            <a:pPr algn="ctr"/>
-            <a:r>
-              <a:rPr lang="en-US" sz="800" dirty="0" smtClean="0">
-                <a:latin typeface="Times New Roman" panose="02020603050405020304" pitchFamily="18" charset="0"/>
-                <a:cs typeface="Times New Roman" panose="02020603050405020304" pitchFamily="18" charset="0"/>
-              </a:rPr>
-              <a:t>Load previous configuration</a:t>
-            </a:r>
-            <a:endParaRPr lang="en-US" sz="800" dirty="0">
-              <a:latin typeface="Times New Roman" panose="02020603050405020304" pitchFamily="18" charset="0"/>
-              <a:cs typeface="Times New Roman" panose="02020603050405020304" pitchFamily="18" charset="0"/>
-            </a:endParaRPr>
-          </a:p>
-        </p:txBody>
-      </p:sp>
       <p:cxnSp>
         <p:nvCxnSpPr>
           <p:cNvPr id="8" name="Straight Arrow Connector 7"/>
@@ -3149,8 +2996,8 @@
         </p:nvCxnSpPr>
         <p:spPr>
           <a:xfrm flipH="1">
-            <a:off x="983767" y="1379163"/>
-            <a:ext cx="183654" cy="1722"/>
+            <a:off x="983516" y="1379163"/>
+            <a:ext cx="143113" cy="1722"/>
           </a:xfrm>
           <a:prstGeom prst="straightConnector1">
             <a:avLst/>
@@ -3174,90 +3021,6 @@
           </a:fontRef>
         </p:style>
       </p:cxnSp>
-      <p:sp>
-        <p:nvSpPr>
-          <p:cNvPr id="9" name="Flowchart: Process 8"/>
-          <p:cNvSpPr/>
-          <p:nvPr/>
-        </p:nvSpPr>
-        <p:spPr>
-          <a:xfrm>
-            <a:off x="2244083" y="1069123"/>
-            <a:ext cx="784225" cy="616980"/>
-          </a:xfrm>
-          <a:prstGeom prst="flowChartProcess">
-            <a:avLst/>
-          </a:prstGeom>
-          <a:ln w="6350"/>
-        </p:spPr>
-        <p:style>
-          <a:lnRef idx="2">
-            <a:schemeClr val="dk1"/>
-          </a:lnRef>
-          <a:fillRef idx="1">
-            <a:schemeClr val="lt1"/>
-          </a:fillRef>
-          <a:effectRef idx="0">
-            <a:schemeClr val="dk1"/>
-          </a:effectRef>
-          <a:fontRef idx="minor">
-            <a:schemeClr val="dk1"/>
-          </a:fontRef>
-        </p:style>
-        <p:txBody>
-          <a:bodyPr rtlCol="0" anchor="ctr"/>
-          <a:lstStyle/>
-          <a:p>
-            <a:r>
-              <a:rPr lang="en-US" sz="800" dirty="0" smtClean="0">
-                <a:latin typeface="Times New Roman" panose="02020603050405020304" pitchFamily="18" charset="0"/>
-                <a:cs typeface="Times New Roman" panose="02020603050405020304" pitchFamily="18" charset="0"/>
-              </a:rPr>
-              <a:t>Interpolate </a:t>
-            </a:r>
-          </a:p>
-          <a:p>
-            <a:r>
-              <a:rPr lang="en-US" sz="800" dirty="0" smtClean="0">
-                <a:latin typeface="Times New Roman" panose="02020603050405020304" pitchFamily="18" charset="0"/>
-                <a:cs typeface="Times New Roman" panose="02020603050405020304" pitchFamily="18" charset="0"/>
-              </a:rPr>
-              <a:t>or </a:t>
-            </a:r>
-            <a:r>
-              <a:rPr lang="en-US" sz="800" dirty="0">
-                <a:latin typeface="Times New Roman" panose="02020603050405020304" pitchFamily="18" charset="0"/>
-                <a:cs typeface="Times New Roman" panose="02020603050405020304" pitchFamily="18" charset="0"/>
-              </a:rPr>
-              <a:t>set DPD coefficients </a:t>
-            </a:r>
-            <a:endParaRPr lang="en-US" sz="800" dirty="0" smtClean="0">
-              <a:latin typeface="Times New Roman" panose="02020603050405020304" pitchFamily="18" charset="0"/>
-              <a:cs typeface="Times New Roman" panose="02020603050405020304" pitchFamily="18" charset="0"/>
-            </a:endParaRPr>
-          </a:p>
-          <a:p>
-            <a:r>
-              <a:rPr lang="en-US" sz="800" dirty="0" smtClean="0">
-                <a:latin typeface="Times New Roman" panose="02020603050405020304" pitchFamily="18" charset="0"/>
-                <a:cs typeface="Times New Roman" panose="02020603050405020304" pitchFamily="18" charset="0"/>
-              </a:rPr>
-              <a:t>to </a:t>
-            </a:r>
-            <a:r>
-              <a:rPr lang="en-US" sz="800" dirty="0">
-                <a:latin typeface="Times New Roman" panose="02020603050405020304" pitchFamily="18" charset="0"/>
-                <a:cs typeface="Times New Roman" panose="02020603050405020304" pitchFamily="18" charset="0"/>
-              </a:rPr>
-              <a:t>0.</a:t>
-            </a:r>
-            <a:endParaRPr lang="en-US" sz="200" dirty="0">
-              <a:latin typeface="Times New Roman" panose="02020603050405020304" pitchFamily="18" charset="0"/>
-              <a:cs typeface="Times New Roman" panose="02020603050405020304" pitchFamily="18" charset="0"/>
-            </a:endParaRPr>
-          </a:p>
-        </p:txBody>
-      </p:sp>
       <p:cxnSp>
         <p:nvCxnSpPr>
           <p:cNvPr id="13" name="Straight Arrow Connector 12"/>
@@ -3269,8 +3032,8 @@
         </p:nvCxnSpPr>
         <p:spPr>
           <a:xfrm flipV="1">
-            <a:off x="2114563" y="1377613"/>
-            <a:ext cx="129520" cy="1550"/>
+            <a:off x="2073771" y="1377613"/>
+            <a:ext cx="189362" cy="1550"/>
           </a:xfrm>
           <a:prstGeom prst="straightConnector1">
             <a:avLst/>
@@ -3294,55 +3057,6 @@
           </a:fontRef>
         </p:style>
       </p:cxnSp>
-      <p:sp>
-        <p:nvSpPr>
-          <p:cNvPr id="17" name="Flowchart: Process 16"/>
-          <p:cNvSpPr/>
-          <p:nvPr/>
-        </p:nvSpPr>
-        <p:spPr>
-          <a:xfrm>
-            <a:off x="1268723" y="2249564"/>
-            <a:ext cx="736600" cy="438150"/>
-          </a:xfrm>
-          <a:prstGeom prst="flowChartProcess">
-            <a:avLst/>
-          </a:prstGeom>
-          <a:ln w="6350"/>
-        </p:spPr>
-        <p:style>
-          <a:lnRef idx="2">
-            <a:schemeClr val="dk1"/>
-          </a:lnRef>
-          <a:fillRef idx="1">
-            <a:schemeClr val="lt1"/>
-          </a:fillRef>
-          <a:effectRef idx="0">
-            <a:schemeClr val="dk1"/>
-          </a:effectRef>
-          <a:fontRef idx="minor">
-            <a:schemeClr val="dk1"/>
-          </a:fontRef>
-        </p:style>
-        <p:txBody>
-          <a:bodyPr rtlCol="0" anchor="ctr"/>
-          <a:lstStyle/>
-          <a:p>
-            <a:pPr algn="ctr"/>
-            <a:r>
-              <a:rPr lang="en-US" sz="800" dirty="0" smtClean="0">
-                <a:latin typeface="Times New Roman" panose="02020603050405020304" pitchFamily="18" charset="0"/>
-                <a:cs typeface="Times New Roman" panose="02020603050405020304" pitchFamily="18" charset="0"/>
-              </a:rPr>
-              <a:t>Apply DPD with initial coefficients</a:t>
-            </a:r>
-            <a:endParaRPr lang="en-US" sz="800" dirty="0">
-              <a:latin typeface="Times New Roman" panose="02020603050405020304" pitchFamily="18" charset="0"/>
-              <a:cs typeface="Times New Roman" panose="02020603050405020304" pitchFamily="18" charset="0"/>
-            </a:endParaRPr>
-          </a:p>
-        </p:txBody>
-      </p:sp>
       <p:cxnSp>
         <p:nvCxnSpPr>
           <p:cNvPr id="20" name="Straight Arrow Connector 19"/>
@@ -3353,9 +3067,9 @@
           <p:nvPr/>
         </p:nvCxnSpPr>
         <p:spPr>
-          <a:xfrm flipH="1">
-            <a:off x="1637023" y="1681581"/>
-            <a:ext cx="3969" cy="567983"/>
+          <a:xfrm>
+            <a:off x="1600200" y="1681581"/>
+            <a:ext cx="0" cy="567983"/>
           </a:xfrm>
           <a:prstGeom prst="straightConnector1">
             <a:avLst/>
@@ -3379,110 +3093,6 @@
           </a:fontRef>
         </p:style>
       </p:cxnSp>
-      <p:sp>
-        <p:nvSpPr>
-          <p:cNvPr id="24" name="Flowchart: Decision 23"/>
-          <p:cNvSpPr/>
-          <p:nvPr/>
-        </p:nvSpPr>
-        <p:spPr>
-          <a:xfrm>
-            <a:off x="1084493" y="3255697"/>
-            <a:ext cx="1113869" cy="604837"/>
-          </a:xfrm>
-          <a:prstGeom prst="flowChartDecision">
-            <a:avLst/>
-          </a:prstGeom>
-          <a:ln w="6350"/>
-        </p:spPr>
-        <p:style>
-          <a:lnRef idx="2">
-            <a:schemeClr val="dk1"/>
-          </a:lnRef>
-          <a:fillRef idx="1">
-            <a:schemeClr val="lt1"/>
-          </a:fillRef>
-          <a:effectRef idx="0">
-            <a:schemeClr val="dk1"/>
-          </a:effectRef>
-          <a:fontRef idx="minor">
-            <a:schemeClr val="dk1"/>
-          </a:fontRef>
-        </p:style>
-        <p:txBody>
-          <a:bodyPr rtlCol="0" anchor="ctr"/>
-          <a:lstStyle/>
-          <a:p>
-            <a:pPr algn="ctr"/>
-            <a:r>
-              <a:rPr lang="en-US" sz="800" dirty="0" smtClean="0">
-                <a:ln w="6350">
-                  <a:noFill/>
-                </a:ln>
-                <a:latin typeface="Times New Roman" panose="02020603050405020304" pitchFamily="18" charset="0"/>
-                <a:cs typeface="Times New Roman" panose="02020603050405020304" pitchFamily="18" charset="0"/>
-              </a:rPr>
-              <a:t>Spurious emission limits met?</a:t>
-            </a:r>
-            <a:endParaRPr lang="en-US" sz="800" dirty="0">
-              <a:ln w="6350">
-                <a:noFill/>
-              </a:ln>
-              <a:latin typeface="Times New Roman" panose="02020603050405020304" pitchFamily="18" charset="0"/>
-              <a:cs typeface="Times New Roman" panose="02020603050405020304" pitchFamily="18" charset="0"/>
-            </a:endParaRPr>
-          </a:p>
-        </p:txBody>
-      </p:sp>
-      <p:sp>
-        <p:nvSpPr>
-          <p:cNvPr id="25" name="Flowchart: Process 24"/>
-          <p:cNvSpPr/>
-          <p:nvPr/>
-        </p:nvSpPr>
-        <p:spPr>
-          <a:xfrm>
-            <a:off x="247167" y="3297369"/>
-            <a:ext cx="736600" cy="521493"/>
-          </a:xfrm>
-          <a:prstGeom prst="flowChartProcess">
-            <a:avLst/>
-          </a:prstGeom>
-          <a:ln w="6350"/>
-        </p:spPr>
-        <p:style>
-          <a:lnRef idx="2">
-            <a:schemeClr val="dk1"/>
-          </a:lnRef>
-          <a:fillRef idx="1">
-            <a:schemeClr val="lt1"/>
-          </a:fillRef>
-          <a:effectRef idx="0">
-            <a:schemeClr val="dk1"/>
-          </a:effectRef>
-          <a:fontRef idx="minor">
-            <a:schemeClr val="dk1"/>
-          </a:fontRef>
-        </p:style>
-        <p:txBody>
-          <a:bodyPr rtlCol="0" anchor="ctr"/>
-          <a:lstStyle/>
-          <a:p>
-            <a:pPr algn="ctr"/>
-            <a:r>
-              <a:rPr lang="en-US" sz="800" dirty="0" smtClean="0">
-                <a:latin typeface="Times New Roman" panose="02020603050405020304" pitchFamily="18" charset="0"/>
-                <a:cs typeface="Times New Roman" panose="02020603050405020304" pitchFamily="18" charset="0"/>
-              </a:rPr>
-              <a:t>Update stored coefficients if necessary</a:t>
-            </a:r>
-            <a:endParaRPr lang="en-US" sz="800" dirty="0">
-              <a:latin typeface="Times New Roman" panose="02020603050405020304" pitchFamily="18" charset="0"/>
-              <a:cs typeface="Times New Roman" panose="02020603050405020304" pitchFamily="18" charset="0"/>
-            </a:endParaRPr>
-          </a:p>
-        </p:txBody>
-      </p:sp>
       <p:cxnSp>
         <p:nvCxnSpPr>
           <p:cNvPr id="27" name="Straight Arrow Connector 26"/>
@@ -3494,8 +3104,8 @@
         </p:nvCxnSpPr>
         <p:spPr>
           <a:xfrm>
-            <a:off x="1637023" y="2687714"/>
-            <a:ext cx="4405" cy="567983"/>
+            <a:off x="1600200" y="2687714"/>
+            <a:ext cx="0" cy="567983"/>
           </a:xfrm>
           <a:prstGeom prst="straightConnector1">
             <a:avLst/>
@@ -3523,15 +3133,15 @@
         <p:nvCxnSpPr>
           <p:cNvPr id="28" name="Straight Arrow Connector 27"/>
           <p:cNvCxnSpPr>
-            <a:stCxn id="24" idx="1"/>
-            <a:endCxn id="25" idx="3"/>
+            <a:stCxn id="24" idx="3"/>
+            <a:endCxn id="25" idx="1"/>
           </p:cNvCxnSpPr>
           <p:nvPr/>
         </p:nvCxnSpPr>
         <p:spPr>
-          <a:xfrm flipH="1">
-            <a:off x="983767" y="3558116"/>
-            <a:ext cx="100726" cy="0"/>
+          <a:xfrm>
+            <a:off x="2115235" y="3558116"/>
+            <a:ext cx="171710" cy="0"/>
           </a:xfrm>
           <a:prstGeom prst="straightConnector1">
             <a:avLst/>
@@ -3555,55 +3165,6 @@
           </a:fontRef>
         </p:style>
       </p:cxnSp>
-      <p:sp>
-        <p:nvSpPr>
-          <p:cNvPr id="40" name="Flowchart: Process 39"/>
-          <p:cNvSpPr/>
-          <p:nvPr/>
-        </p:nvSpPr>
-        <p:spPr>
-          <a:xfrm>
-            <a:off x="1272692" y="4249712"/>
-            <a:ext cx="736600" cy="616955"/>
-          </a:xfrm>
-          <a:prstGeom prst="flowChartProcess">
-            <a:avLst/>
-          </a:prstGeom>
-          <a:ln w="6350"/>
-        </p:spPr>
-        <p:style>
-          <a:lnRef idx="2">
-            <a:schemeClr val="dk1"/>
-          </a:lnRef>
-          <a:fillRef idx="1">
-            <a:schemeClr val="lt1"/>
-          </a:fillRef>
-          <a:effectRef idx="0">
-            <a:schemeClr val="dk1"/>
-          </a:effectRef>
-          <a:fontRef idx="minor">
-            <a:schemeClr val="dk1"/>
-          </a:fontRef>
-        </p:style>
-        <p:txBody>
-          <a:bodyPr rtlCol="0" anchor="ctr"/>
-          <a:lstStyle/>
-          <a:p>
-            <a:pPr algn="ctr"/>
-            <a:r>
-              <a:rPr lang="en-US" sz="800" dirty="0" smtClean="0">
-                <a:latin typeface="Times New Roman" panose="02020603050405020304" pitchFamily="18" charset="0"/>
-                <a:cs typeface="Times New Roman" panose="02020603050405020304" pitchFamily="18" charset="0"/>
-              </a:rPr>
-              <a:t>Choose worst spur. Set training order to lowest.</a:t>
-            </a:r>
-            <a:endParaRPr lang="en-US" sz="800" dirty="0">
-              <a:latin typeface="Times New Roman" panose="02020603050405020304" pitchFamily="18" charset="0"/>
-              <a:cs typeface="Times New Roman" panose="02020603050405020304" pitchFamily="18" charset="0"/>
-            </a:endParaRPr>
-          </a:p>
-        </p:txBody>
-      </p:sp>
       <p:cxnSp>
         <p:nvCxnSpPr>
           <p:cNvPr id="41" name="Straight Arrow Connector 40"/>
@@ -3614,9 +3175,9 @@
           <p:nvPr/>
         </p:nvCxnSpPr>
         <p:spPr>
-          <a:xfrm flipH="1">
-            <a:off x="1640992" y="3860534"/>
-            <a:ext cx="436" cy="389178"/>
+          <a:xfrm>
+            <a:off x="1600200" y="3860534"/>
+            <a:ext cx="0" cy="389178"/>
           </a:xfrm>
           <a:prstGeom prst="straightConnector1">
             <a:avLst/>
@@ -3640,110 +3201,6 @@
           </a:fontRef>
         </p:style>
       </p:cxnSp>
-      <p:sp>
-        <p:nvSpPr>
-          <p:cNvPr id="44" name="Flowchart: Process 43"/>
-          <p:cNvSpPr/>
-          <p:nvPr/>
-        </p:nvSpPr>
-        <p:spPr>
-          <a:xfrm>
-            <a:off x="1272692" y="5406194"/>
-            <a:ext cx="736600" cy="438150"/>
-          </a:xfrm>
-          <a:prstGeom prst="flowChartProcess">
-            <a:avLst/>
-          </a:prstGeom>
-          <a:ln w="6350"/>
-        </p:spPr>
-        <p:style>
-          <a:lnRef idx="2">
-            <a:schemeClr val="dk1"/>
-          </a:lnRef>
-          <a:fillRef idx="1">
-            <a:schemeClr val="lt1"/>
-          </a:fillRef>
-          <a:effectRef idx="0">
-            <a:schemeClr val="dk1"/>
-          </a:effectRef>
-          <a:fontRef idx="minor">
-            <a:schemeClr val="dk1"/>
-          </a:fontRef>
-        </p:style>
-        <p:txBody>
-          <a:bodyPr rtlCol="0" anchor="ctr"/>
-          <a:lstStyle/>
-          <a:p>
-            <a:pPr algn="ctr"/>
-            <a:r>
-              <a:rPr lang="en-US" sz="800" dirty="0" smtClean="0">
-                <a:latin typeface="Times New Roman" panose="02020603050405020304" pitchFamily="18" charset="0"/>
-                <a:cs typeface="Times New Roman" panose="02020603050405020304" pitchFamily="18" charset="0"/>
-              </a:rPr>
-              <a:t>Perform sub-band DPD training.</a:t>
-            </a:r>
-            <a:endParaRPr lang="en-US" sz="800" dirty="0">
-              <a:latin typeface="Times New Roman" panose="02020603050405020304" pitchFamily="18" charset="0"/>
-              <a:cs typeface="Times New Roman" panose="02020603050405020304" pitchFamily="18" charset="0"/>
-            </a:endParaRPr>
-          </a:p>
-        </p:txBody>
-      </p:sp>
-      <p:sp>
-        <p:nvSpPr>
-          <p:cNvPr id="45" name="Flowchart: Decision 44"/>
-          <p:cNvSpPr/>
-          <p:nvPr/>
-        </p:nvSpPr>
-        <p:spPr>
-          <a:xfrm>
-            <a:off x="105646" y="5322851"/>
-            <a:ext cx="1058763" cy="604837"/>
-          </a:xfrm>
-          <a:prstGeom prst="flowChartDecision">
-            <a:avLst/>
-          </a:prstGeom>
-          <a:ln w="6350"/>
-        </p:spPr>
-        <p:style>
-          <a:lnRef idx="2">
-            <a:schemeClr val="dk1"/>
-          </a:lnRef>
-          <a:fillRef idx="1">
-            <a:schemeClr val="lt1"/>
-          </a:fillRef>
-          <a:effectRef idx="0">
-            <a:schemeClr val="dk1"/>
-          </a:effectRef>
-          <a:fontRef idx="minor">
-            <a:schemeClr val="dk1"/>
-          </a:fontRef>
-        </p:style>
-        <p:txBody>
-          <a:bodyPr rtlCol="0" anchor="ctr"/>
-          <a:lstStyle/>
-          <a:p>
-            <a:pPr algn="ctr"/>
-            <a:r>
-              <a:rPr lang="en-US" sz="700" dirty="0" smtClean="0">
-                <a:ln w="6350">
-                  <a:noFill/>
-                </a:ln>
-                <a:latin typeface="Times New Roman" panose="02020603050405020304" pitchFamily="18" charset="0"/>
-                <a:cs typeface="Times New Roman" panose="02020603050405020304" pitchFamily="18" charset="0"/>
-              </a:rPr>
-              <a:t>Does this spur still violate limits?</a:t>
-            </a:r>
-            <a:endParaRPr lang="en-US" sz="700" dirty="0">
-              <a:ln w="6350">
-                <a:noFill/>
-              </a:ln>
-              <a:latin typeface="Times New Roman" panose="02020603050405020304" pitchFamily="18" charset="0"/>
-              <a:cs typeface="Times New Roman" panose="02020603050405020304" pitchFamily="18" charset="0"/>
-            </a:endParaRPr>
-          </a:p>
-        </p:txBody>
-      </p:sp>
       <p:cxnSp>
         <p:nvCxnSpPr>
           <p:cNvPr id="46" name="Straight Arrow Connector 45"/>
@@ -3755,8 +3212,8 @@
         </p:nvCxnSpPr>
         <p:spPr>
           <a:xfrm>
-            <a:off x="1640992" y="4866667"/>
-            <a:ext cx="0" cy="539527"/>
+            <a:off x="1600200" y="4866667"/>
+            <a:ext cx="0" cy="413323"/>
           </a:xfrm>
           <a:prstGeom prst="straightConnector1">
             <a:avLst/>
@@ -3791,8 +3248,8 @@
         </p:nvCxnSpPr>
         <p:spPr>
           <a:xfrm flipH="1">
-            <a:off x="1164409" y="5625269"/>
-            <a:ext cx="108283" cy="1"/>
+            <a:off x="1104976" y="5623405"/>
+            <a:ext cx="126924" cy="197"/>
           </a:xfrm>
           <a:prstGeom prst="straightConnector1">
             <a:avLst/>
@@ -3816,131 +3273,182 @@
           </a:fontRef>
         </p:style>
       </p:cxnSp>
-      <p:sp>
-        <p:nvSpPr>
-          <p:cNvPr id="54" name="Flowchart: Decision 53"/>
-          <p:cNvSpPr/>
+      <p:grpSp>
+        <p:nvGrpSpPr>
+          <p:cNvPr id="88" name="Group 87"/>
+          <p:cNvGrpSpPr/>
           <p:nvPr/>
-        </p:nvSpPr>
-        <p:spPr>
+        </p:nvGrpSpPr>
+        <p:grpSpPr>
           <a:xfrm>
-            <a:off x="105646" y="6392747"/>
-            <a:ext cx="1058763" cy="783988"/>
-          </a:xfrm>
-          <a:prstGeom prst="flowChartDecision">
-            <a:avLst/>
-          </a:prstGeom>
-          <a:ln w="6350"/>
-        </p:spPr>
-        <p:style>
-          <a:lnRef idx="2">
-            <a:schemeClr val="dk1"/>
-          </a:lnRef>
-          <a:fillRef idx="1">
-            <a:schemeClr val="lt1"/>
-          </a:fillRef>
-          <a:effectRef idx="0">
-            <a:schemeClr val="dk1"/>
-          </a:effectRef>
-          <a:fontRef idx="minor">
-            <a:schemeClr val="dk1"/>
-          </a:fontRef>
-        </p:style>
-        <p:txBody>
-          <a:bodyPr rtlCol="0" anchor="ctr"/>
-          <a:lstStyle/>
-          <a:p>
-            <a:pPr algn="ctr"/>
-            <a:r>
-              <a:rPr lang="en-US" sz="800" dirty="0" smtClean="0">
+            <a:off x="125457" y="1161810"/>
+            <a:ext cx="979519" cy="6014925"/>
+            <a:chOff x="125457" y="1161810"/>
+            <a:chExt cx="979519" cy="6014925"/>
+          </a:xfrm>
+        </p:grpSpPr>
+        <p:sp>
+          <p:nvSpPr>
+            <p:cNvPr id="6" name="Flowchart: Process 5"/>
+            <p:cNvSpPr/>
+            <p:nvPr/>
+          </p:nvSpPr>
+          <p:spPr>
+            <a:xfrm>
+              <a:off x="246916" y="1161810"/>
+              <a:ext cx="736600" cy="438150"/>
+            </a:xfrm>
+            <a:prstGeom prst="flowChartProcess">
+              <a:avLst/>
+            </a:prstGeom>
+            <a:ln w="6350">
+              <a:prstDash val="solid"/>
+            </a:ln>
+          </p:spPr>
+          <p:style>
+            <a:lnRef idx="2">
+              <a:schemeClr val="dk1"/>
+            </a:lnRef>
+            <a:fillRef idx="1">
+              <a:schemeClr val="lt1"/>
+            </a:fillRef>
+            <a:effectRef idx="0">
+              <a:schemeClr val="dk1"/>
+            </a:effectRef>
+            <a:fontRef idx="minor">
+              <a:schemeClr val="dk1"/>
+            </a:fontRef>
+          </p:style>
+          <p:txBody>
+            <a:bodyPr rtlCol="0" anchor="ctr"/>
+            <a:lstStyle/>
+            <a:p>
+              <a:pPr algn="ctr"/>
+              <a:r>
+                <a:rPr lang="en-US" sz="700" b="1" dirty="0" smtClean="0">
+                  <a:latin typeface="Times New Roman" panose="02020603050405020304" pitchFamily="18" charset="0"/>
+                  <a:cs typeface="Times New Roman" panose="02020603050405020304" pitchFamily="18" charset="0"/>
+                </a:rPr>
+                <a:t>Load previous configuration</a:t>
+              </a:r>
+              <a:endParaRPr lang="en-US" sz="700" b="1" dirty="0">
+                <a:latin typeface="Times New Roman" panose="02020603050405020304" pitchFamily="18" charset="0"/>
+                <a:cs typeface="Times New Roman" panose="02020603050405020304" pitchFamily="18" charset="0"/>
+              </a:endParaRPr>
+            </a:p>
+          </p:txBody>
+        </p:sp>
+        <p:sp>
+          <p:nvSpPr>
+            <p:cNvPr id="45" name="Flowchart: Decision 44"/>
+            <p:cNvSpPr/>
+            <p:nvPr/>
+          </p:nvSpPr>
+          <p:spPr>
+            <a:xfrm>
+              <a:off x="125457" y="5257086"/>
+              <a:ext cx="979519" cy="733032"/>
+            </a:xfrm>
+            <a:prstGeom prst="flowChartDecision">
+              <a:avLst/>
+            </a:prstGeom>
+            <a:ln w="6350"/>
+          </p:spPr>
+          <p:style>
+            <a:lnRef idx="2">
+              <a:schemeClr val="dk1"/>
+            </a:lnRef>
+            <a:fillRef idx="1">
+              <a:schemeClr val="lt1"/>
+            </a:fillRef>
+            <a:effectRef idx="0">
+              <a:schemeClr val="dk1"/>
+            </a:effectRef>
+            <a:fontRef idx="minor">
+              <a:schemeClr val="dk1"/>
+            </a:fontRef>
+          </p:style>
+          <p:txBody>
+            <a:bodyPr rtlCol="0" anchor="ctr"/>
+            <a:lstStyle/>
+            <a:p>
+              <a:pPr algn="ctr"/>
+              <a:r>
+                <a:rPr lang="en-US" sz="700" dirty="0" smtClean="0">
+                  <a:ln w="6350">
+                    <a:noFill/>
+                  </a:ln>
+                  <a:latin typeface="Times New Roman" panose="02020603050405020304" pitchFamily="18" charset="0"/>
+                  <a:cs typeface="Times New Roman" panose="02020603050405020304" pitchFamily="18" charset="0"/>
+                </a:rPr>
+                <a:t>Does this spur still violate limits?</a:t>
+              </a:r>
+              <a:endParaRPr lang="en-US" sz="700" dirty="0">
                 <a:ln w="6350">
                   <a:noFill/>
                 </a:ln>
                 <a:latin typeface="Times New Roman" panose="02020603050405020304" pitchFamily="18" charset="0"/>
                 <a:cs typeface="Times New Roman" panose="02020603050405020304" pitchFamily="18" charset="0"/>
-              </a:rPr>
-              <a:t>Is the training order the highest?</a:t>
-            </a:r>
-            <a:endParaRPr lang="en-US" sz="800" dirty="0">
-              <a:ln w="6350">
-                <a:noFill/>
-              </a:ln>
-              <a:latin typeface="Times New Roman" panose="02020603050405020304" pitchFamily="18" charset="0"/>
-              <a:cs typeface="Times New Roman" panose="02020603050405020304" pitchFamily="18" charset="0"/>
-            </a:endParaRPr>
-          </a:p>
-        </p:txBody>
-      </p:sp>
-      <p:sp>
-        <p:nvSpPr>
-          <p:cNvPr id="55" name="Flowchart: Process 54"/>
-          <p:cNvSpPr/>
-          <p:nvPr/>
-        </p:nvSpPr>
-        <p:spPr>
-          <a:xfrm>
-            <a:off x="1247292" y="6356307"/>
-            <a:ext cx="784708" cy="856869"/>
-          </a:xfrm>
-          <a:prstGeom prst="flowChartProcess">
-            <a:avLst/>
-          </a:prstGeom>
-          <a:ln w="6350"/>
-        </p:spPr>
-        <p:style>
-          <a:lnRef idx="2">
-            <a:schemeClr val="dk1"/>
-          </a:lnRef>
-          <a:fillRef idx="1">
-            <a:schemeClr val="lt1"/>
-          </a:fillRef>
-          <a:effectRef idx="0">
-            <a:schemeClr val="dk1"/>
-          </a:effectRef>
-          <a:fontRef idx="minor">
-            <a:schemeClr val="dk1"/>
-          </a:fontRef>
-        </p:style>
-        <p:txBody>
-          <a:bodyPr rtlCol="0" anchor="ctr"/>
-          <a:lstStyle/>
-          <a:p>
-            <a:pPr algn="ctr"/>
-            <a:r>
-              <a:rPr lang="en-US" sz="800" dirty="0" smtClean="0">
+              </a:endParaRPr>
+            </a:p>
+          </p:txBody>
+        </p:sp>
+        <p:sp>
+          <p:nvSpPr>
+            <p:cNvPr id="54" name="Flowchart: Decision 53"/>
+            <p:cNvSpPr/>
+            <p:nvPr/>
+          </p:nvSpPr>
+          <p:spPr>
+            <a:xfrm>
+              <a:off x="137484" y="6392747"/>
+              <a:ext cx="955465" cy="783988"/>
+            </a:xfrm>
+            <a:prstGeom prst="flowChartDecision">
+              <a:avLst/>
+            </a:prstGeom>
+            <a:ln w="6350"/>
+          </p:spPr>
+          <p:style>
+            <a:lnRef idx="2">
+              <a:schemeClr val="dk1"/>
+            </a:lnRef>
+            <a:fillRef idx="1">
+              <a:schemeClr val="lt1"/>
+            </a:fillRef>
+            <a:effectRef idx="0">
+              <a:schemeClr val="dk1"/>
+            </a:effectRef>
+            <a:fontRef idx="minor">
+              <a:schemeClr val="dk1"/>
+            </a:fontRef>
+          </p:style>
+          <p:txBody>
+            <a:bodyPr rtlCol="0" anchor="ctr"/>
+            <a:lstStyle/>
+            <a:p>
+              <a:pPr algn="ctr"/>
+              <a:r>
+                <a:rPr lang="en-US" sz="700" dirty="0" smtClean="0">
+                  <a:ln w="6350">
+                    <a:noFill/>
+                  </a:ln>
+                  <a:latin typeface="Times New Roman" panose="02020603050405020304" pitchFamily="18" charset="0"/>
+                  <a:cs typeface="Times New Roman" panose="02020603050405020304" pitchFamily="18" charset="0"/>
+                </a:rPr>
+                <a:t>Is the training order the highest?</a:t>
+              </a:r>
+              <a:endParaRPr lang="en-US" sz="700" dirty="0">
+                <a:ln w="6350">
+                  <a:noFill/>
+                </a:ln>
                 <a:latin typeface="Times New Roman" panose="02020603050405020304" pitchFamily="18" charset="0"/>
                 <a:cs typeface="Times New Roman" panose="02020603050405020304" pitchFamily="18" charset="0"/>
-              </a:rPr>
-              <a:t>Go to next order. </a:t>
-            </a:r>
-            <a:r>
-              <a:rPr lang="en-US" sz="800" dirty="0" err="1" smtClean="0">
-                <a:latin typeface="Times New Roman" panose="02020603050405020304" pitchFamily="18" charset="0"/>
-                <a:cs typeface="Times New Roman" panose="02020603050405020304" pitchFamily="18" charset="0"/>
-              </a:rPr>
-              <a:t>Orthogonalize</a:t>
-            </a:r>
-            <a:r>
-              <a:rPr lang="en-US" sz="800" dirty="0" smtClean="0">
-                <a:latin typeface="Times New Roman" panose="02020603050405020304" pitchFamily="18" charset="0"/>
-                <a:cs typeface="Times New Roman" panose="02020603050405020304" pitchFamily="18" charset="0"/>
-              </a:rPr>
-              <a:t> </a:t>
-            </a:r>
-            <a:r>
-              <a:rPr lang="en-US" sz="800" dirty="0" smtClean="0">
-                <a:latin typeface="Times New Roman" panose="02020603050405020304" pitchFamily="18" charset="0"/>
-                <a:cs typeface="Times New Roman" panose="02020603050405020304" pitchFamily="18" charset="0"/>
-              </a:rPr>
-              <a:t>the higher order to the previous.</a:t>
-            </a:r>
-            <a:endParaRPr lang="en-US" sz="800" dirty="0">
-              <a:latin typeface="Times New Roman" panose="02020603050405020304" pitchFamily="18" charset="0"/>
-              <a:cs typeface="Times New Roman" panose="02020603050405020304" pitchFamily="18" charset="0"/>
-            </a:endParaRPr>
-          </a:p>
-        </p:txBody>
-      </p:sp>
+              </a:endParaRPr>
+            </a:p>
+          </p:txBody>
+        </p:sp>
+      </p:grpSp>
       <p:cxnSp>
         <p:nvCxnSpPr>
           <p:cNvPr id="56" name="Straight Arrow Connector 55"/>
@@ -3952,8 +3460,8 @@
         </p:nvCxnSpPr>
         <p:spPr>
           <a:xfrm>
-            <a:off x="635028" y="5927688"/>
-            <a:ext cx="0" cy="465059"/>
+            <a:off x="615217" y="5990118"/>
+            <a:ext cx="0" cy="402629"/>
           </a:xfrm>
           <a:prstGeom prst="straightConnector1">
             <a:avLst/>
@@ -3988,8 +3496,8 @@
         </p:nvCxnSpPr>
         <p:spPr>
           <a:xfrm>
-            <a:off x="1164409" y="6784741"/>
-            <a:ext cx="82883" cy="1"/>
+            <a:off x="1092949" y="6784741"/>
+            <a:ext cx="114897" cy="1"/>
           </a:xfrm>
           <a:prstGeom prst="straightConnector1">
             <a:avLst/>
@@ -4024,8 +3532,8 @@
         </p:nvCxnSpPr>
         <p:spPr>
           <a:xfrm flipV="1">
-            <a:off x="1639646" y="5844344"/>
-            <a:ext cx="1346" cy="511963"/>
+            <a:off x="1600200" y="5966819"/>
+            <a:ext cx="0" cy="525336"/>
           </a:xfrm>
           <a:prstGeom prst="straightConnector1">
             <a:avLst/>
@@ -4049,55 +3557,480 @@
           </a:fontRef>
         </p:style>
       </p:cxnSp>
-      <p:sp>
-        <p:nvSpPr>
-          <p:cNvPr id="68" name="Flowchart: Process 67"/>
-          <p:cNvSpPr/>
+      <p:grpSp>
+        <p:nvGrpSpPr>
+          <p:cNvPr id="75" name="Group 74"/>
+          <p:cNvGrpSpPr/>
           <p:nvPr/>
-        </p:nvSpPr>
-        <p:spPr>
+        </p:nvGrpSpPr>
+        <p:grpSpPr>
           <a:xfrm>
-            <a:off x="1268723" y="7690704"/>
-            <a:ext cx="736600" cy="495055"/>
-          </a:xfrm>
-          <a:prstGeom prst="flowChartProcess">
-            <a:avLst/>
-          </a:prstGeom>
-          <a:ln w="6350"/>
-        </p:spPr>
-        <p:style>
-          <a:lnRef idx="2">
-            <a:schemeClr val="dk1"/>
-          </a:lnRef>
-          <a:fillRef idx="1">
-            <a:schemeClr val="lt1"/>
-          </a:fillRef>
-          <a:effectRef idx="0">
-            <a:schemeClr val="dk1"/>
-          </a:effectRef>
-          <a:fontRef idx="minor">
-            <a:schemeClr val="dk1"/>
-          </a:fontRef>
-        </p:style>
-        <p:txBody>
-          <a:bodyPr rtlCol="0" anchor="ctr"/>
-          <a:lstStyle/>
-          <a:p>
-            <a:pPr algn="ctr"/>
-            <a:r>
-              <a:rPr lang="en-US" sz="800" dirty="0" smtClean="0">
+            <a:off x="1085165" y="323023"/>
+            <a:ext cx="1030070" cy="7862736"/>
+            <a:chOff x="1084494" y="323023"/>
+            <a:chExt cx="1030070" cy="7862736"/>
+          </a:xfrm>
+        </p:grpSpPr>
+        <p:sp>
+          <p:nvSpPr>
+            <p:cNvPr id="4" name="Flowchart: Terminator 3"/>
+            <p:cNvSpPr/>
+            <p:nvPr/>
+          </p:nvSpPr>
+          <p:spPr>
+            <a:xfrm>
+              <a:off x="1235198" y="323023"/>
+              <a:ext cx="728662" cy="185738"/>
+            </a:xfrm>
+            <a:prstGeom prst="flowChartTerminator">
+              <a:avLst/>
+            </a:prstGeom>
+            <a:ln w="6350"/>
+          </p:spPr>
+          <p:style>
+            <a:lnRef idx="2">
+              <a:schemeClr val="dk1"/>
+            </a:lnRef>
+            <a:fillRef idx="1">
+              <a:schemeClr val="lt1"/>
+            </a:fillRef>
+            <a:effectRef idx="0">
+              <a:schemeClr val="dk1"/>
+            </a:effectRef>
+            <a:fontRef idx="minor">
+              <a:schemeClr val="dk1"/>
+            </a:fontRef>
+          </p:style>
+          <p:txBody>
+            <a:bodyPr rtlCol="0" anchor="ctr"/>
+            <a:lstStyle/>
+            <a:p>
+              <a:pPr algn="ctr"/>
+              <a:r>
+                <a:rPr lang="en-US" sz="700" dirty="0" smtClean="0">
+                  <a:latin typeface="Times New Roman" panose="02020603050405020304" pitchFamily="18" charset="0"/>
+                  <a:cs typeface="Times New Roman" panose="02020603050405020304" pitchFamily="18" charset="0"/>
+                </a:rPr>
+                <a:t>Start</a:t>
+              </a:r>
+              <a:endParaRPr lang="en-US" sz="700" dirty="0">
                 <a:latin typeface="Times New Roman" panose="02020603050405020304" pitchFamily="18" charset="0"/>
                 <a:cs typeface="Times New Roman" panose="02020603050405020304" pitchFamily="18" charset="0"/>
-              </a:rPr>
-              <a:t>Back off on transmit power.</a:t>
-            </a:r>
-            <a:endParaRPr lang="en-US" sz="800" dirty="0">
-              <a:latin typeface="Times New Roman" panose="02020603050405020304" pitchFamily="18" charset="0"/>
-              <a:cs typeface="Times New Roman" panose="02020603050405020304" pitchFamily="18" charset="0"/>
-            </a:endParaRPr>
-          </a:p>
-        </p:txBody>
-      </p:sp>
+              </a:endParaRPr>
+            </a:p>
+          </p:txBody>
+        </p:sp>
+        <p:sp>
+          <p:nvSpPr>
+            <p:cNvPr id="5" name="Flowchart: Decision 4"/>
+            <p:cNvSpPr/>
+            <p:nvPr/>
+          </p:nvSpPr>
+          <p:spPr>
+            <a:xfrm>
+              <a:off x="1125958" y="1076744"/>
+              <a:ext cx="947142" cy="604837"/>
+            </a:xfrm>
+            <a:prstGeom prst="flowChartDecision">
+              <a:avLst/>
+            </a:prstGeom>
+            <a:ln w="6350"/>
+          </p:spPr>
+          <p:style>
+            <a:lnRef idx="2">
+              <a:schemeClr val="dk1"/>
+            </a:lnRef>
+            <a:fillRef idx="1">
+              <a:schemeClr val="lt1"/>
+            </a:fillRef>
+            <a:effectRef idx="0">
+              <a:schemeClr val="dk1"/>
+            </a:effectRef>
+            <a:fontRef idx="minor">
+              <a:schemeClr val="dk1"/>
+            </a:fontRef>
+          </p:style>
+          <p:txBody>
+            <a:bodyPr rtlCol="0" anchor="ctr"/>
+            <a:lstStyle/>
+            <a:p>
+              <a:pPr algn="ctr"/>
+              <a:r>
+                <a:rPr lang="en-US" sz="700" dirty="0" smtClean="0">
+                  <a:ln w="6350">
+                    <a:noFill/>
+                  </a:ln>
+                  <a:latin typeface="Times New Roman" panose="02020603050405020304" pitchFamily="18" charset="0"/>
+                  <a:cs typeface="Times New Roman" panose="02020603050405020304" pitchFamily="18" charset="0"/>
+                </a:rPr>
+                <a:t>New </a:t>
+              </a:r>
+              <a:r>
+                <a:rPr lang="en-US" sz="700" dirty="0" err="1" smtClean="0">
+                  <a:ln w="6350">
+                    <a:noFill/>
+                  </a:ln>
+                  <a:latin typeface="Times New Roman" panose="02020603050405020304" pitchFamily="18" charset="0"/>
+                  <a:cs typeface="Times New Roman" panose="02020603050405020304" pitchFamily="18" charset="0"/>
+                </a:rPr>
+                <a:t>config-uration</a:t>
+              </a:r>
+              <a:r>
+                <a:rPr lang="en-US" sz="700" dirty="0" smtClean="0">
+                  <a:ln w="6350">
+                    <a:noFill/>
+                  </a:ln>
+                  <a:latin typeface="Times New Roman" panose="02020603050405020304" pitchFamily="18" charset="0"/>
+                  <a:cs typeface="Times New Roman" panose="02020603050405020304" pitchFamily="18" charset="0"/>
+                </a:rPr>
+                <a:t>?</a:t>
+              </a:r>
+              <a:endParaRPr lang="en-US" sz="700" dirty="0">
+                <a:ln w="6350">
+                  <a:noFill/>
+                </a:ln>
+                <a:latin typeface="Times New Roman" panose="02020603050405020304" pitchFamily="18" charset="0"/>
+                <a:cs typeface="Times New Roman" panose="02020603050405020304" pitchFamily="18" charset="0"/>
+              </a:endParaRPr>
+            </a:p>
+          </p:txBody>
+        </p:sp>
+        <p:sp>
+          <p:nvSpPr>
+            <p:cNvPr id="17" name="Flowchart: Process 16"/>
+            <p:cNvSpPr/>
+            <p:nvPr/>
+          </p:nvSpPr>
+          <p:spPr>
+            <a:xfrm>
+              <a:off x="1231229" y="2249564"/>
+              <a:ext cx="736600" cy="438150"/>
+            </a:xfrm>
+            <a:prstGeom prst="flowChartProcess">
+              <a:avLst/>
+            </a:prstGeom>
+            <a:ln w="6350"/>
+          </p:spPr>
+          <p:style>
+            <a:lnRef idx="2">
+              <a:schemeClr val="dk1"/>
+            </a:lnRef>
+            <a:fillRef idx="1">
+              <a:schemeClr val="lt1"/>
+            </a:fillRef>
+            <a:effectRef idx="0">
+              <a:schemeClr val="dk1"/>
+            </a:effectRef>
+            <a:fontRef idx="minor">
+              <a:schemeClr val="dk1"/>
+            </a:fontRef>
+          </p:style>
+          <p:txBody>
+            <a:bodyPr rtlCol="0" anchor="ctr"/>
+            <a:lstStyle/>
+            <a:p>
+              <a:pPr algn="ctr"/>
+              <a:r>
+                <a:rPr lang="en-US" sz="700" dirty="0" smtClean="0">
+                  <a:latin typeface="Times New Roman" panose="02020603050405020304" pitchFamily="18" charset="0"/>
+                  <a:cs typeface="Times New Roman" panose="02020603050405020304" pitchFamily="18" charset="0"/>
+                </a:rPr>
+                <a:t>Apply DPD with initial coefficients</a:t>
+              </a:r>
+              <a:endParaRPr lang="en-US" sz="700" dirty="0">
+                <a:latin typeface="Times New Roman" panose="02020603050405020304" pitchFamily="18" charset="0"/>
+                <a:cs typeface="Times New Roman" panose="02020603050405020304" pitchFamily="18" charset="0"/>
+              </a:endParaRPr>
+            </a:p>
+          </p:txBody>
+        </p:sp>
+        <p:sp>
+          <p:nvSpPr>
+            <p:cNvPr id="24" name="Flowchart: Decision 23"/>
+            <p:cNvSpPr/>
+            <p:nvPr/>
+          </p:nvSpPr>
+          <p:spPr>
+            <a:xfrm>
+              <a:off x="1084494" y="3255697"/>
+              <a:ext cx="1030070" cy="604837"/>
+            </a:xfrm>
+            <a:prstGeom prst="flowChartDecision">
+              <a:avLst/>
+            </a:prstGeom>
+            <a:ln w="6350"/>
+          </p:spPr>
+          <p:style>
+            <a:lnRef idx="2">
+              <a:schemeClr val="dk1"/>
+            </a:lnRef>
+            <a:fillRef idx="1">
+              <a:schemeClr val="lt1"/>
+            </a:fillRef>
+            <a:effectRef idx="0">
+              <a:schemeClr val="dk1"/>
+            </a:effectRef>
+            <a:fontRef idx="minor">
+              <a:schemeClr val="dk1"/>
+            </a:fontRef>
+          </p:style>
+          <p:txBody>
+            <a:bodyPr rtlCol="0" anchor="ctr"/>
+            <a:lstStyle/>
+            <a:p>
+              <a:pPr algn="ctr"/>
+              <a:r>
+                <a:rPr lang="en-US" sz="700" dirty="0" smtClean="0">
+                  <a:ln w="6350">
+                    <a:noFill/>
+                  </a:ln>
+                  <a:latin typeface="Times New Roman" panose="02020603050405020304" pitchFamily="18" charset="0"/>
+                  <a:cs typeface="Times New Roman" panose="02020603050405020304" pitchFamily="18" charset="0"/>
+                </a:rPr>
+                <a:t>Spurious emission limits met?</a:t>
+              </a:r>
+              <a:endParaRPr lang="en-US" sz="700" dirty="0">
+                <a:ln w="6350">
+                  <a:noFill/>
+                </a:ln>
+                <a:latin typeface="Times New Roman" panose="02020603050405020304" pitchFamily="18" charset="0"/>
+                <a:cs typeface="Times New Roman" panose="02020603050405020304" pitchFamily="18" charset="0"/>
+              </a:endParaRPr>
+            </a:p>
+          </p:txBody>
+        </p:sp>
+        <p:sp>
+          <p:nvSpPr>
+            <p:cNvPr id="40" name="Flowchart: Process 39"/>
+            <p:cNvSpPr/>
+            <p:nvPr/>
+          </p:nvSpPr>
+          <p:spPr>
+            <a:xfrm>
+              <a:off x="1231229" y="4249712"/>
+              <a:ext cx="736600" cy="616955"/>
+            </a:xfrm>
+            <a:prstGeom prst="flowChartProcess">
+              <a:avLst/>
+            </a:prstGeom>
+            <a:ln w="6350"/>
+          </p:spPr>
+          <p:style>
+            <a:lnRef idx="2">
+              <a:schemeClr val="dk1"/>
+            </a:lnRef>
+            <a:fillRef idx="1">
+              <a:schemeClr val="lt1"/>
+            </a:fillRef>
+            <a:effectRef idx="0">
+              <a:schemeClr val="dk1"/>
+            </a:effectRef>
+            <a:fontRef idx="minor">
+              <a:schemeClr val="dk1"/>
+            </a:fontRef>
+          </p:style>
+          <p:txBody>
+            <a:bodyPr rtlCol="0" anchor="ctr"/>
+            <a:lstStyle/>
+            <a:p>
+              <a:pPr algn="ctr"/>
+              <a:r>
+                <a:rPr lang="en-US" sz="700" dirty="0" smtClean="0">
+                  <a:latin typeface="Times New Roman" panose="02020603050405020304" pitchFamily="18" charset="0"/>
+                  <a:cs typeface="Times New Roman" panose="02020603050405020304" pitchFamily="18" charset="0"/>
+                </a:rPr>
+                <a:t>Choose worst spur. Set training order to lowest.</a:t>
+              </a:r>
+              <a:endParaRPr lang="en-US" sz="700" dirty="0">
+                <a:latin typeface="Times New Roman" panose="02020603050405020304" pitchFamily="18" charset="0"/>
+                <a:cs typeface="Times New Roman" panose="02020603050405020304" pitchFamily="18" charset="0"/>
+              </a:endParaRPr>
+            </a:p>
+          </p:txBody>
+        </p:sp>
+        <p:sp>
+          <p:nvSpPr>
+            <p:cNvPr id="44" name="Flowchart: Process 43"/>
+            <p:cNvSpPr/>
+            <p:nvPr/>
+          </p:nvSpPr>
+          <p:spPr>
+            <a:xfrm>
+              <a:off x="1231229" y="5279990"/>
+              <a:ext cx="736600" cy="686829"/>
+            </a:xfrm>
+            <a:prstGeom prst="flowChartProcess">
+              <a:avLst/>
+            </a:prstGeom>
+            <a:ln w="6350"/>
+          </p:spPr>
+          <p:style>
+            <a:lnRef idx="2">
+              <a:schemeClr val="dk1"/>
+            </a:lnRef>
+            <a:fillRef idx="1">
+              <a:schemeClr val="lt1"/>
+            </a:fillRef>
+            <a:effectRef idx="0">
+              <a:schemeClr val="dk1"/>
+            </a:effectRef>
+            <a:fontRef idx="minor">
+              <a:schemeClr val="dk1"/>
+            </a:fontRef>
+          </p:style>
+          <p:txBody>
+            <a:bodyPr rtlCol="0" anchor="ctr"/>
+            <a:lstStyle/>
+            <a:p>
+              <a:pPr algn="ctr"/>
+              <a:r>
+                <a:rPr lang="en-US" sz="700" dirty="0" smtClean="0">
+                  <a:latin typeface="Times New Roman" panose="02020603050405020304" pitchFamily="18" charset="0"/>
+                  <a:cs typeface="Times New Roman" panose="02020603050405020304" pitchFamily="18" charset="0"/>
+                </a:rPr>
+                <a:t>Perform sub-band DPD </a:t>
+              </a:r>
+              <a:r>
+                <a:rPr lang="en-US" sz="700" dirty="0" smtClean="0">
+                  <a:latin typeface="Times New Roman" panose="02020603050405020304" pitchFamily="18" charset="0"/>
+                  <a:cs typeface="Times New Roman" panose="02020603050405020304" pitchFamily="18" charset="0"/>
+                </a:rPr>
+                <a:t>training with </a:t>
+              </a:r>
+              <a:r>
+                <a:rPr lang="en-US" sz="700" b="1" dirty="0" smtClean="0">
+                  <a:latin typeface="Times New Roman" panose="02020603050405020304" pitchFamily="18" charset="0"/>
+                  <a:cs typeface="Times New Roman" panose="02020603050405020304" pitchFamily="18" charset="0"/>
+                </a:rPr>
+                <a:t>adaptive learning rate (Algorithm 1)</a:t>
+              </a:r>
+              <a:r>
+                <a:rPr lang="en-US" sz="700" dirty="0" smtClean="0">
+                  <a:latin typeface="Times New Roman" panose="02020603050405020304" pitchFamily="18" charset="0"/>
+                  <a:cs typeface="Times New Roman" panose="02020603050405020304" pitchFamily="18" charset="0"/>
+                </a:rPr>
+                <a:t>.</a:t>
+              </a:r>
+              <a:endParaRPr lang="en-US" sz="700" dirty="0">
+                <a:latin typeface="Times New Roman" panose="02020603050405020304" pitchFamily="18" charset="0"/>
+                <a:cs typeface="Times New Roman" panose="02020603050405020304" pitchFamily="18" charset="0"/>
+              </a:endParaRPr>
+            </a:p>
+          </p:txBody>
+        </p:sp>
+        <p:sp>
+          <p:nvSpPr>
+            <p:cNvPr id="55" name="Flowchart: Process 54"/>
+            <p:cNvSpPr/>
+            <p:nvPr/>
+          </p:nvSpPr>
+          <p:spPr>
+            <a:xfrm>
+              <a:off x="1207175" y="6492155"/>
+              <a:ext cx="784708" cy="585173"/>
+            </a:xfrm>
+            <a:prstGeom prst="flowChartProcess">
+              <a:avLst/>
+            </a:prstGeom>
+            <a:ln w="6350"/>
+          </p:spPr>
+          <p:style>
+            <a:lnRef idx="2">
+              <a:schemeClr val="dk1"/>
+            </a:lnRef>
+            <a:fillRef idx="1">
+              <a:schemeClr val="lt1"/>
+            </a:fillRef>
+            <a:effectRef idx="0">
+              <a:schemeClr val="dk1"/>
+            </a:effectRef>
+            <a:fontRef idx="minor">
+              <a:schemeClr val="dk1"/>
+            </a:fontRef>
+          </p:style>
+          <p:txBody>
+            <a:bodyPr rtlCol="0" anchor="ctr"/>
+            <a:lstStyle/>
+            <a:p>
+              <a:pPr algn="ctr"/>
+              <a:r>
+                <a:rPr lang="en-US" sz="700" dirty="0" smtClean="0">
+                  <a:latin typeface="Times New Roman" panose="02020603050405020304" pitchFamily="18" charset="0"/>
+                  <a:cs typeface="Times New Roman" panose="02020603050405020304" pitchFamily="18" charset="0"/>
+                </a:rPr>
+                <a:t>Go to next order. </a:t>
+              </a:r>
+              <a:r>
+                <a:rPr lang="en-US" sz="700" dirty="0" err="1" smtClean="0">
+                  <a:latin typeface="Times New Roman" panose="02020603050405020304" pitchFamily="18" charset="0"/>
+                  <a:cs typeface="Times New Roman" panose="02020603050405020304" pitchFamily="18" charset="0"/>
+                </a:rPr>
+                <a:t>Orthogonalize</a:t>
+              </a:r>
+              <a:r>
+                <a:rPr lang="en-US" sz="700" dirty="0" smtClean="0">
+                  <a:latin typeface="Times New Roman" panose="02020603050405020304" pitchFamily="18" charset="0"/>
+                  <a:cs typeface="Times New Roman" panose="02020603050405020304" pitchFamily="18" charset="0"/>
+                </a:rPr>
+                <a:t> the higher order to the previous.</a:t>
+              </a:r>
+              <a:endParaRPr lang="en-US" sz="700" dirty="0">
+                <a:latin typeface="Times New Roman" panose="02020603050405020304" pitchFamily="18" charset="0"/>
+                <a:cs typeface="Times New Roman" panose="02020603050405020304" pitchFamily="18" charset="0"/>
+              </a:endParaRPr>
+            </a:p>
+          </p:txBody>
+        </p:sp>
+        <p:sp>
+          <p:nvSpPr>
+            <p:cNvPr id="68" name="Flowchart: Process 67"/>
+            <p:cNvSpPr/>
+            <p:nvPr/>
+          </p:nvSpPr>
+          <p:spPr>
+            <a:xfrm>
+              <a:off x="1231229" y="7690704"/>
+              <a:ext cx="736600" cy="495055"/>
+            </a:xfrm>
+            <a:prstGeom prst="flowChartProcess">
+              <a:avLst/>
+            </a:prstGeom>
+            <a:ln w="6350"/>
+          </p:spPr>
+          <p:style>
+            <a:lnRef idx="2">
+              <a:schemeClr val="dk1"/>
+            </a:lnRef>
+            <a:fillRef idx="1">
+              <a:schemeClr val="lt1"/>
+            </a:fillRef>
+            <a:effectRef idx="0">
+              <a:schemeClr val="dk1"/>
+            </a:effectRef>
+            <a:fontRef idx="minor">
+              <a:schemeClr val="dk1"/>
+            </a:fontRef>
+          </p:style>
+          <p:txBody>
+            <a:bodyPr rtlCol="0" anchor="ctr"/>
+            <a:lstStyle/>
+            <a:p>
+              <a:pPr algn="ctr"/>
+              <a:r>
+                <a:rPr lang="en-US" sz="700" dirty="0" smtClean="0">
+                  <a:latin typeface="Times New Roman" panose="02020603050405020304" pitchFamily="18" charset="0"/>
+                  <a:cs typeface="Times New Roman" panose="02020603050405020304" pitchFamily="18" charset="0"/>
+                </a:rPr>
+                <a:t>Back off on transmit power.</a:t>
+              </a:r>
+              <a:endParaRPr lang="en-US" sz="700" dirty="0">
+                <a:latin typeface="Times New Roman" panose="02020603050405020304" pitchFamily="18" charset="0"/>
+                <a:cs typeface="Times New Roman" panose="02020603050405020304" pitchFamily="18" charset="0"/>
+              </a:endParaRPr>
+            </a:p>
+          </p:txBody>
+        </p:sp>
+      </p:grpSp>
       <p:cxnSp>
         <p:nvCxnSpPr>
           <p:cNvPr id="70" name="Elbow Connector 69"/>
@@ -4109,8 +4042,8 @@
         </p:nvCxnSpPr>
         <p:spPr>
           <a:xfrm rot="16200000" flipH="1">
-            <a:off x="571127" y="7240635"/>
-            <a:ext cx="761497" cy="633695"/>
+            <a:off x="542810" y="7249141"/>
+            <a:ext cx="761497" cy="616683"/>
           </a:xfrm>
           <a:prstGeom prst="bentConnector2">
             <a:avLst/>
@@ -4145,7 +4078,7 @@
         </p:nvCxnSpPr>
         <p:spPr>
           <a:xfrm>
-            <a:off x="1640992" y="508761"/>
+            <a:off x="1600200" y="508761"/>
             <a:ext cx="0" cy="567983"/>
           </a:xfrm>
           <a:prstGeom prst="straightConnector1">
@@ -4181,12 +4114,12 @@
         </p:nvCxnSpPr>
         <p:spPr>
           <a:xfrm flipH="1" flipV="1">
-            <a:off x="1640992" y="1076744"/>
-            <a:ext cx="364331" cy="6861488"/>
+            <a:off x="1600200" y="1076744"/>
+            <a:ext cx="368300" cy="6861488"/>
           </a:xfrm>
           <a:prstGeom prst="bentConnector4">
             <a:avLst>
-              <a:gd name="adj1" fmla="val -299090"/>
+              <a:gd name="adj1" fmla="val -302721"/>
               <a:gd name="adj2" fmla="val 103332"/>
             </a:avLst>
           </a:prstGeom>
@@ -4220,8 +4153,8 @@
         </p:nvCxnSpPr>
         <p:spPr>
           <a:xfrm rot="16200000" flipH="1">
-            <a:off x="507756" y="1707671"/>
-            <a:ext cx="868679" cy="653256"/>
+            <a:off x="489219" y="1725957"/>
+            <a:ext cx="868679" cy="616684"/>
           </a:xfrm>
           <a:prstGeom prst="bentConnector2">
             <a:avLst/>
@@ -4256,8 +4189,8 @@
         </p:nvCxnSpPr>
         <p:spPr>
           <a:xfrm rot="5400000">
-            <a:off x="1929492" y="1761935"/>
-            <a:ext cx="782536" cy="630873"/>
+            <a:off x="1920605" y="1733998"/>
+            <a:ext cx="782536" cy="686746"/>
           </a:xfrm>
           <a:prstGeom prst="bentConnector2">
             <a:avLst/>
@@ -4281,55 +4214,201 @@
           </a:fontRef>
         </p:style>
       </p:cxnSp>
-      <p:sp>
-        <p:nvSpPr>
-          <p:cNvPr id="82" name="Flowchart: Terminator 81"/>
-          <p:cNvSpPr/>
+      <p:grpSp>
+        <p:nvGrpSpPr>
+          <p:cNvPr id="89" name="Group 88"/>
+          <p:cNvGrpSpPr/>
           <p:nvPr/>
-        </p:nvSpPr>
-        <p:spPr>
+        </p:nvGrpSpPr>
+        <p:grpSpPr>
           <a:xfrm>
-            <a:off x="251136" y="4554723"/>
-            <a:ext cx="728662" cy="185738"/>
-          </a:xfrm>
-          <a:prstGeom prst="flowChartTerminator">
-            <a:avLst/>
-          </a:prstGeom>
-          <a:ln w="6350"/>
-        </p:spPr>
-        <p:style>
-          <a:lnRef idx="2">
-            <a:schemeClr val="dk1"/>
-          </a:lnRef>
-          <a:fillRef idx="1">
-            <a:schemeClr val="lt1"/>
-          </a:fillRef>
-          <a:effectRef idx="0">
-            <a:schemeClr val="dk1"/>
-          </a:effectRef>
-          <a:fontRef idx="minor">
-            <a:schemeClr val="dk1"/>
-          </a:fontRef>
-        </p:style>
-        <p:txBody>
-          <a:bodyPr rtlCol="0" anchor="ctr"/>
-          <a:lstStyle/>
-          <a:p>
-            <a:pPr algn="ctr"/>
-            <a:r>
-              <a:rPr lang="en-US" sz="800" dirty="0" smtClean="0">
+            <a:off x="2263133" y="1069123"/>
+            <a:ext cx="784225" cy="3513489"/>
+            <a:chOff x="2244083" y="1069123"/>
+            <a:chExt cx="784225" cy="3513489"/>
+          </a:xfrm>
+        </p:grpSpPr>
+        <p:sp>
+          <p:nvSpPr>
+            <p:cNvPr id="9" name="Flowchart: Process 8"/>
+            <p:cNvSpPr/>
+            <p:nvPr/>
+          </p:nvSpPr>
+          <p:spPr>
+            <a:xfrm>
+              <a:off x="2244083" y="1069123"/>
+              <a:ext cx="784225" cy="616980"/>
+            </a:xfrm>
+            <a:prstGeom prst="flowChartProcess">
+              <a:avLst/>
+            </a:prstGeom>
+            <a:ln w="6350">
+              <a:prstDash val="solid"/>
+            </a:ln>
+          </p:spPr>
+          <p:style>
+            <a:lnRef idx="2">
+              <a:schemeClr val="dk1"/>
+            </a:lnRef>
+            <a:fillRef idx="1">
+              <a:schemeClr val="lt1"/>
+            </a:fillRef>
+            <a:effectRef idx="0">
+              <a:schemeClr val="dk1"/>
+            </a:effectRef>
+            <a:fontRef idx="minor">
+              <a:schemeClr val="dk1"/>
+            </a:fontRef>
+          </p:style>
+          <p:txBody>
+            <a:bodyPr rtlCol="0" anchor="ctr"/>
+            <a:lstStyle/>
+            <a:p>
+              <a:r>
+                <a:rPr lang="en-US" sz="700" b="1" dirty="0" smtClean="0">
+                  <a:latin typeface="Times New Roman" panose="02020603050405020304" pitchFamily="18" charset="0"/>
+                  <a:cs typeface="Times New Roman" panose="02020603050405020304" pitchFamily="18" charset="0"/>
+                </a:rPr>
+                <a:t>Interpolate </a:t>
+              </a:r>
+            </a:p>
+            <a:p>
+              <a:r>
+                <a:rPr lang="en-US" sz="700" b="1" dirty="0" smtClean="0">
+                  <a:latin typeface="Times New Roman" panose="02020603050405020304" pitchFamily="18" charset="0"/>
+                  <a:cs typeface="Times New Roman" panose="02020603050405020304" pitchFamily="18" charset="0"/>
+                </a:rPr>
+                <a:t>or </a:t>
+              </a:r>
+              <a:r>
+                <a:rPr lang="en-US" sz="700" b="1" dirty="0">
+                  <a:latin typeface="Times New Roman" panose="02020603050405020304" pitchFamily="18" charset="0"/>
+                  <a:cs typeface="Times New Roman" panose="02020603050405020304" pitchFamily="18" charset="0"/>
+                </a:rPr>
+                <a:t>set DPD coefficients </a:t>
+              </a:r>
+              <a:endParaRPr lang="en-US" sz="700" b="1" dirty="0" smtClean="0">
                 <a:latin typeface="Times New Roman" panose="02020603050405020304" pitchFamily="18" charset="0"/>
                 <a:cs typeface="Times New Roman" panose="02020603050405020304" pitchFamily="18" charset="0"/>
-              </a:rPr>
-              <a:t>Done</a:t>
-            </a:r>
-            <a:endParaRPr lang="en-US" sz="800" dirty="0">
-              <a:latin typeface="Times New Roman" panose="02020603050405020304" pitchFamily="18" charset="0"/>
-              <a:cs typeface="Times New Roman" panose="02020603050405020304" pitchFamily="18" charset="0"/>
-            </a:endParaRPr>
-          </a:p>
-        </p:txBody>
-      </p:sp>
+              </a:endParaRPr>
+            </a:p>
+            <a:p>
+              <a:r>
+                <a:rPr lang="en-US" sz="700" b="1" dirty="0" smtClean="0">
+                  <a:latin typeface="Times New Roman" panose="02020603050405020304" pitchFamily="18" charset="0"/>
+                  <a:cs typeface="Times New Roman" panose="02020603050405020304" pitchFamily="18" charset="0"/>
+                </a:rPr>
+                <a:t>to </a:t>
+              </a:r>
+              <a:r>
+                <a:rPr lang="en-US" sz="700" b="1" dirty="0">
+                  <a:latin typeface="Times New Roman" panose="02020603050405020304" pitchFamily="18" charset="0"/>
+                  <a:cs typeface="Times New Roman" panose="02020603050405020304" pitchFamily="18" charset="0"/>
+                </a:rPr>
+                <a:t>0.</a:t>
+              </a:r>
+            </a:p>
+          </p:txBody>
+        </p:sp>
+        <p:sp>
+          <p:nvSpPr>
+            <p:cNvPr id="25" name="Flowchart: Process 24"/>
+            <p:cNvSpPr/>
+            <p:nvPr/>
+          </p:nvSpPr>
+          <p:spPr>
+            <a:xfrm>
+              <a:off x="2267895" y="3297369"/>
+              <a:ext cx="736600" cy="521493"/>
+            </a:xfrm>
+            <a:prstGeom prst="flowChartProcess">
+              <a:avLst/>
+            </a:prstGeom>
+            <a:ln w="6350"/>
+          </p:spPr>
+          <p:style>
+            <a:lnRef idx="2">
+              <a:schemeClr val="dk1"/>
+            </a:lnRef>
+            <a:fillRef idx="1">
+              <a:schemeClr val="lt1"/>
+            </a:fillRef>
+            <a:effectRef idx="0">
+              <a:schemeClr val="dk1"/>
+            </a:effectRef>
+            <a:fontRef idx="minor">
+              <a:schemeClr val="dk1"/>
+            </a:fontRef>
+          </p:style>
+          <p:txBody>
+            <a:bodyPr rtlCol="0" anchor="ctr"/>
+            <a:lstStyle/>
+            <a:p>
+              <a:pPr algn="ctr"/>
+              <a:r>
+                <a:rPr lang="en-US" sz="700" dirty="0" smtClean="0">
+                  <a:latin typeface="Times New Roman" panose="02020603050405020304" pitchFamily="18" charset="0"/>
+                  <a:cs typeface="Times New Roman" panose="02020603050405020304" pitchFamily="18" charset="0"/>
+                </a:rPr>
+                <a:t>Update stored coefficients if necessary</a:t>
+              </a:r>
+              <a:endParaRPr lang="en-US" sz="700" dirty="0">
+                <a:latin typeface="Times New Roman" panose="02020603050405020304" pitchFamily="18" charset="0"/>
+                <a:cs typeface="Times New Roman" panose="02020603050405020304" pitchFamily="18" charset="0"/>
+              </a:endParaRPr>
+            </a:p>
+          </p:txBody>
+        </p:sp>
+        <p:sp>
+          <p:nvSpPr>
+            <p:cNvPr id="82" name="Flowchart: Terminator 81"/>
+            <p:cNvSpPr/>
+            <p:nvPr/>
+          </p:nvSpPr>
+          <p:spPr>
+            <a:xfrm>
+              <a:off x="2271864" y="4396874"/>
+              <a:ext cx="728662" cy="185738"/>
+            </a:xfrm>
+            <a:prstGeom prst="flowChartTerminator">
+              <a:avLst/>
+            </a:prstGeom>
+            <a:ln w="6350"/>
+          </p:spPr>
+          <p:style>
+            <a:lnRef idx="2">
+              <a:schemeClr val="dk1"/>
+            </a:lnRef>
+            <a:fillRef idx="1">
+              <a:schemeClr val="lt1"/>
+            </a:fillRef>
+            <a:effectRef idx="0">
+              <a:schemeClr val="dk1"/>
+            </a:effectRef>
+            <a:fontRef idx="minor">
+              <a:schemeClr val="dk1"/>
+            </a:fontRef>
+          </p:style>
+          <p:txBody>
+            <a:bodyPr rtlCol="0" anchor="ctr"/>
+            <a:lstStyle/>
+            <a:p>
+              <a:pPr algn="ctr"/>
+              <a:r>
+                <a:rPr lang="en-US" sz="700" dirty="0" smtClean="0">
+                  <a:latin typeface="Times New Roman" panose="02020603050405020304" pitchFamily="18" charset="0"/>
+                  <a:cs typeface="Times New Roman" panose="02020603050405020304" pitchFamily="18" charset="0"/>
+                </a:rPr>
+                <a:t>Done</a:t>
+              </a:r>
+              <a:endParaRPr lang="en-US" sz="700" dirty="0">
+                <a:latin typeface="Times New Roman" panose="02020603050405020304" pitchFamily="18" charset="0"/>
+                <a:cs typeface="Times New Roman" panose="02020603050405020304" pitchFamily="18" charset="0"/>
+              </a:endParaRPr>
+            </a:p>
+          </p:txBody>
+        </p:sp>
+      </p:grpSp>
       <p:cxnSp>
         <p:nvCxnSpPr>
           <p:cNvPr id="84" name="Straight Arrow Connector 83"/>
@@ -4341,8 +4420,8 @@
         </p:nvCxnSpPr>
         <p:spPr>
           <a:xfrm>
-            <a:off x="615467" y="3818862"/>
-            <a:ext cx="0" cy="735861"/>
+            <a:off x="2655245" y="3818862"/>
+            <a:ext cx="0" cy="578012"/>
           </a:xfrm>
           <a:prstGeom prst="straightConnector1">
             <a:avLst/>
@@ -4377,13 +4456,13 @@
         </p:nvCxnSpPr>
         <p:spPr>
           <a:xfrm rot="10800000" flipH="1">
-            <a:off x="105646" y="3255698"/>
-            <a:ext cx="1535782" cy="2369573"/>
+            <a:off x="125456" y="3255698"/>
+            <a:ext cx="1474743" cy="2367905"/>
           </a:xfrm>
           <a:prstGeom prst="bentConnector4">
             <a:avLst>
-              <a:gd name="adj1" fmla="val -3969"/>
-              <a:gd name="adj2" fmla="val 109647"/>
+              <a:gd name="adj1" fmla="val -6459"/>
+              <a:gd name="adj2" fmla="val 109654"/>
             </a:avLst>
           </a:prstGeom>
           <a:ln>
@@ -4449,7 +4528,7 @@
         </p:nvSpPr>
         <p:spPr>
           <a:xfrm>
-            <a:off x="1994421" y="1190175"/>
+            <a:off x="1991416" y="1190175"/>
             <a:ext cx="349109" cy="200055"/>
           </a:xfrm>
           <a:prstGeom prst="rect">
@@ -4485,8 +4564,8 @@
         </p:nvSpPr>
         <p:spPr>
           <a:xfrm>
-            <a:off x="953676" y="3324120"/>
-            <a:ext cx="349109" cy="200055"/>
+            <a:off x="2025638" y="3358060"/>
+            <a:ext cx="400139" cy="200055"/>
           </a:xfrm>
           <a:prstGeom prst="rect">
             <a:avLst/>
@@ -4665,7 +4744,7 @@
         </p:nvSpPr>
         <p:spPr>
           <a:xfrm>
-            <a:off x="1052667" y="6585580"/>
+            <a:off x="993883" y="6584686"/>
             <a:ext cx="349109" cy="200055"/>
           </a:xfrm>
           <a:prstGeom prst="rect">
@@ -4687,6 +4766,170 @@
               <a:t>no</a:t>
             </a:r>
             <a:endParaRPr lang="en-US" sz="700" dirty="0">
+              <a:latin typeface="Times New Roman" panose="02020603050405020304" pitchFamily="18" charset="0"/>
+              <a:cs typeface="Times New Roman" panose="02020603050405020304" pitchFamily="18" charset="0"/>
+            </a:endParaRPr>
+          </a:p>
+        </p:txBody>
+      </p:sp>
+      <p:sp>
+        <p:nvSpPr>
+          <p:cNvPr id="95" name="Curved Down Arrow 94"/>
+          <p:cNvSpPr/>
+          <p:nvPr/>
+        </p:nvSpPr>
+        <p:spPr>
+          <a:xfrm flipV="1">
+            <a:off x="730114" y="6106280"/>
+            <a:ext cx="812947" cy="425928"/>
+          </a:xfrm>
+          <a:prstGeom prst="curvedDownArrow">
+            <a:avLst>
+              <a:gd name="adj1" fmla="val 14433"/>
+              <a:gd name="adj2" fmla="val 50000"/>
+              <a:gd name="adj3" fmla="val 25000"/>
+            </a:avLst>
+          </a:prstGeom>
+        </p:spPr>
+        <p:style>
+          <a:lnRef idx="2">
+            <a:schemeClr val="dk1"/>
+          </a:lnRef>
+          <a:fillRef idx="1">
+            <a:schemeClr val="lt1"/>
+          </a:fillRef>
+          <a:effectRef idx="0">
+            <a:schemeClr val="dk1"/>
+          </a:effectRef>
+          <a:fontRef idx="minor">
+            <a:schemeClr val="dk1"/>
+          </a:fontRef>
+        </p:style>
+        <p:txBody>
+          <a:bodyPr rtlCol="0" anchor="ctr"/>
+          <a:lstStyle/>
+          <a:p>
+            <a:pPr algn="ctr"/>
+            <a:endParaRPr lang="en-US">
+              <a:solidFill>
+                <a:schemeClr val="tx1"/>
+              </a:solidFill>
+            </a:endParaRPr>
+          </a:p>
+        </p:txBody>
+      </p:sp>
+      <p:sp>
+        <p:nvSpPr>
+          <p:cNvPr id="161" name="TextBox 160"/>
+          <p:cNvSpPr txBox="1"/>
+          <p:nvPr/>
+        </p:nvSpPr>
+        <p:spPr>
+          <a:xfrm>
+            <a:off x="788345" y="6057652"/>
+            <a:ext cx="652299" cy="338554"/>
+          </a:xfrm>
+          <a:prstGeom prst="rect">
+            <a:avLst/>
+          </a:prstGeom>
+          <a:noFill/>
+        </p:spPr>
+        <p:txBody>
+          <a:bodyPr wrap="square" rtlCol="0">
+            <a:spAutoFit/>
+          </a:bodyPr>
+          <a:lstStyle/>
+          <a:p>
+            <a:r>
+              <a:rPr lang="en-US" sz="800" i="1" dirty="0" smtClean="0">
+                <a:latin typeface="Times New Roman" panose="02020603050405020304" pitchFamily="18" charset="0"/>
+                <a:cs typeface="Times New Roman" panose="02020603050405020304" pitchFamily="18" charset="0"/>
+              </a:rPr>
+              <a:t>Sequential Learning</a:t>
+            </a:r>
+            <a:endParaRPr lang="en-US" sz="800" i="1" dirty="0">
+              <a:latin typeface="Times New Roman" panose="02020603050405020304" pitchFamily="18" charset="0"/>
+              <a:cs typeface="Times New Roman" panose="02020603050405020304" pitchFamily="18" charset="0"/>
+            </a:endParaRPr>
+          </a:p>
+        </p:txBody>
+      </p:sp>
+      <p:sp>
+        <p:nvSpPr>
+          <p:cNvPr id="106" name="Curved Down Arrow 105"/>
+          <p:cNvSpPr/>
+          <p:nvPr/>
+        </p:nvSpPr>
+        <p:spPr>
+          <a:xfrm rot="16200000">
+            <a:off x="-253938" y="3883408"/>
+            <a:ext cx="1457391" cy="565609"/>
+          </a:xfrm>
+          <a:prstGeom prst="curvedDownArrow">
+            <a:avLst>
+              <a:gd name="adj1" fmla="val 14433"/>
+              <a:gd name="adj2" fmla="val 51358"/>
+              <a:gd name="adj3" fmla="val 25000"/>
+            </a:avLst>
+          </a:prstGeom>
+        </p:spPr>
+        <p:style>
+          <a:lnRef idx="2">
+            <a:schemeClr val="dk1"/>
+          </a:lnRef>
+          <a:fillRef idx="1">
+            <a:schemeClr val="lt1"/>
+          </a:fillRef>
+          <a:effectRef idx="0">
+            <a:schemeClr val="dk1"/>
+          </a:effectRef>
+          <a:fontRef idx="minor">
+            <a:schemeClr val="dk1"/>
+          </a:fontRef>
+        </p:style>
+        <p:txBody>
+          <a:bodyPr rtlCol="0" anchor="ctr"/>
+          <a:lstStyle/>
+          <a:p>
+            <a:pPr algn="ctr"/>
+            <a:endParaRPr lang="en-US">
+              <a:solidFill>
+                <a:schemeClr val="tx1"/>
+              </a:solidFill>
+            </a:endParaRPr>
+          </a:p>
+        </p:txBody>
+      </p:sp>
+      <p:sp>
+        <p:nvSpPr>
+          <p:cNvPr id="107" name="TextBox 106"/>
+          <p:cNvSpPr txBox="1"/>
+          <p:nvPr/>
+        </p:nvSpPr>
+        <p:spPr>
+          <a:xfrm>
+            <a:off x="301626" y="4107868"/>
+            <a:ext cx="586902" cy="338554"/>
+          </a:xfrm>
+          <a:prstGeom prst="rect">
+            <a:avLst/>
+          </a:prstGeom>
+          <a:noFill/>
+        </p:spPr>
+        <p:txBody>
+          <a:bodyPr wrap="square" rtlCol="0">
+            <a:spAutoFit/>
+          </a:bodyPr>
+          <a:lstStyle/>
+          <a:p>
+            <a:r>
+              <a:rPr lang="en-US" sz="800" i="1" dirty="0" smtClean="0">
+                <a:latin typeface="Times New Roman" panose="02020603050405020304" pitchFamily="18" charset="0"/>
+                <a:cs typeface="Times New Roman" panose="02020603050405020304" pitchFamily="18" charset="0"/>
+              </a:rPr>
+              <a:t>Sub-band Iterations</a:t>
+            </a:r>
+            <a:endParaRPr lang="en-US" sz="800" i="1" dirty="0">
               <a:latin typeface="Times New Roman" panose="02020603050405020304" pitchFamily="18" charset="0"/>
               <a:cs typeface="Times New Roman" panose="02020603050405020304" pitchFamily="18" charset="0"/>
             </a:endParaRPr>
